--- a/Blizzard.pptx
+++ b/Blizzard.pptx
@@ -3097,6 +3097,10 @@
           <a:bodyPr/>
           <a:lstStyle/>
           <a:p>
+            <a:r>
+              <a:rPr lang="zh-CN" altLang="en-US"/>
+              <a:t>三十年</a:t>
+            </a:r>
             <a:endParaRPr lang="en-US"/>
           </a:p>
         </p:txBody>
